--- a/21 - JS angular Introduction.pptx
+++ b/21 - JS angular Introduction.pptx
@@ -1252,6 +1252,53 @@
           </a:p>
           <a:p>
             <a:r>
+              <a:rPr lang="en-US" dirty="0" err="1"/>
+              <a:t>App.controller</a:t>
+            </a:r>
+            <a:r>
+              <a:rPr lang="en-US" dirty="0"/>
+              <a:t>(“</a:t>
+            </a:r>
+            <a:r>
+              <a:rPr lang="en-US" dirty="0" err="1"/>
+              <a:t>ctlrName</a:t>
+            </a:r>
+            <a:r>
+              <a:rPr lang="en-US" dirty="0"/>
+              <a:t>”, function($scope) </a:t>
+            </a:r>
+            <a:r>
+              <a:rPr lang="en-US" dirty="0">
+                <a:sym typeface="Wingdings" panose="05000000000000000000" pitchFamily="2" charset="2"/>
+              </a:rPr>
+              <a:t> the scope has service dependencies{</a:t>
+            </a:r>
+            <a:br>
+              <a:rPr lang="en-US" dirty="0">
+                <a:sym typeface="Wingdings" panose="05000000000000000000" pitchFamily="2" charset="2"/>
+              </a:rPr>
+            </a:br>
+            <a:r>
+              <a:rPr lang="en-US" dirty="0">
+                <a:sym typeface="Wingdings" panose="05000000000000000000" pitchFamily="2" charset="2"/>
+              </a:rPr>
+              <a:t>	insert item to $scope so they can be available in my html page.</a:t>
+            </a:r>
+            <a:br>
+              <a:rPr lang="en-US" dirty="0">
+                <a:sym typeface="Wingdings" panose="05000000000000000000" pitchFamily="2" charset="2"/>
+              </a:rPr>
+            </a:br>
+            <a:r>
+              <a:rPr lang="en-US" dirty="0">
+                <a:sym typeface="Wingdings" panose="05000000000000000000" pitchFamily="2" charset="2"/>
+              </a:rPr>
+              <a:t>});</a:t>
+            </a:r>
+            <a:endParaRPr lang="en-US" dirty="0"/>
+          </a:p>
+          <a:p>
+            <a:r>
               <a:rPr lang="en-US" dirty="0"/>
               <a:t>We will have many controllers for our app, controller is a logic unit –</a:t>
             </a:r>
@@ -1305,11 +1352,7 @@
             </a:r>
             <a:r>
               <a:rPr lang="en-US" dirty="0"/>
-              <a:t> for each subject – www.hoa.com/message </a:t>
-            </a:r>
-            <a:r>
-              <a:rPr lang="en-US"/>
-              <a:t>, www.hoa.com/voting …</a:t>
+              <a:t> for each subject – www.hoa.com/message , www.hoa.com/voting …</a:t>
             </a:r>
           </a:p>
           <a:p>
@@ -1405,7 +1448,7 @@
           </a:bodyPr>
           <a:lstStyle/>
           <a:p>
-            <a:endParaRPr/>
+            <a:endParaRPr dirty="0"/>
           </a:p>
         </p:txBody>
       </p:sp>
@@ -35093,7 +35136,7 @@
               </a:rPr>
               <a:t>…</a:t>
             </a:r>
-            <a:endParaRPr sz="1300">
+            <a:endParaRPr sz="1300" dirty="0">
               <a:latin typeface="Arial"/>
               <a:cs typeface="Arial"/>
             </a:endParaRPr>
@@ -35111,7 +35154,7 @@
               </a:rPr>
               <a:t>&lt;script&gt;</a:t>
             </a:r>
-            <a:endParaRPr sz="1300">
+            <a:endParaRPr sz="1300" dirty="0">
               <a:latin typeface="Arial"/>
               <a:cs typeface="Arial"/>
             </a:endParaRPr>
@@ -35290,7 +35333,7 @@
               </a:rPr>
               <a:t>[]);</a:t>
             </a:r>
-            <a:endParaRPr sz="1300">
+            <a:endParaRPr sz="1300" dirty="0">
               <a:latin typeface="Arial"/>
               <a:cs typeface="Arial"/>
             </a:endParaRPr>
@@ -35455,7 +35498,7 @@
               </a:rPr>
               <a:t>{</a:t>
             </a:r>
-            <a:endParaRPr sz="1300">
+            <a:endParaRPr sz="1300" dirty="0">
               <a:latin typeface="Arial"/>
               <a:cs typeface="Arial"/>
             </a:endParaRPr>
@@ -35515,7 +35558,7 @@
               </a:rPr>
               <a:t>;</a:t>
             </a:r>
-            <a:endParaRPr sz="1300">
+            <a:endParaRPr sz="1300" dirty="0">
               <a:latin typeface="Arial"/>
               <a:cs typeface="Arial"/>
             </a:endParaRPr>
@@ -35610,7 +35653,7 @@
               </a:rPr>
               <a:t>;</a:t>
             </a:r>
-            <a:endParaRPr sz="1300">
+            <a:endParaRPr sz="1300" dirty="0">
               <a:latin typeface="Arial"/>
               <a:cs typeface="Arial"/>
             </a:endParaRPr>
@@ -35691,7 +35734,7 @@
               </a:rPr>
               <a:t>{</a:t>
             </a:r>
-            <a:endParaRPr sz="1300">
+            <a:endParaRPr sz="1300" dirty="0">
               <a:latin typeface="Arial"/>
               <a:cs typeface="Arial"/>
             </a:endParaRPr>
@@ -35835,7 +35878,7 @@
               </a:rPr>
               <a:t>};</a:t>
             </a:r>
-            <a:endParaRPr sz="1300">
+            <a:endParaRPr sz="1300" dirty="0">
               <a:latin typeface="Arial"/>
               <a:cs typeface="Arial"/>
             </a:endParaRPr>
@@ -35853,7 +35896,7 @@
               </a:rPr>
               <a:t>});</a:t>
             </a:r>
-            <a:endParaRPr sz="1300">
+            <a:endParaRPr sz="1300" dirty="0">
               <a:latin typeface="Arial"/>
               <a:cs typeface="Arial"/>
             </a:endParaRPr>
@@ -35871,7 +35914,7 @@
               </a:rPr>
               <a:t>&lt;/script&gt;</a:t>
             </a:r>
-            <a:endParaRPr sz="1300">
+            <a:endParaRPr sz="1300" dirty="0">
               <a:latin typeface="Arial"/>
               <a:cs typeface="Arial"/>
             </a:endParaRPr>
@@ -35903,7 +35946,7 @@
               </a:rPr>
               <a:t>&gt;</a:t>
             </a:r>
-            <a:endParaRPr sz="1300">
+            <a:endParaRPr sz="1300" dirty="0">
               <a:latin typeface="Arial"/>
               <a:cs typeface="Arial"/>
             </a:endParaRPr>
@@ -36005,7 +36048,7 @@
               </a:rPr>
               <a:t>&gt;</a:t>
             </a:r>
-            <a:endParaRPr sz="1300">
+            <a:endParaRPr sz="1300" dirty="0">
               <a:latin typeface="Arial"/>
               <a:cs typeface="Arial"/>
             </a:endParaRPr>
@@ -36429,7 +36472,7 @@
               </a:rPr>
               <a:t>{{total()}}</a:t>
             </a:r>
-            <a:endParaRPr sz="1300">
+            <a:endParaRPr sz="1300" dirty="0">
               <a:latin typeface="Arial"/>
               <a:cs typeface="Arial"/>
             </a:endParaRPr>
@@ -36461,7 +36504,7 @@
               </a:rPr>
               <a:t>&gt;</a:t>
             </a:r>
-            <a:endParaRPr sz="1300">
+            <a:endParaRPr sz="1300" dirty="0">
               <a:latin typeface="Arial"/>
               <a:cs typeface="Arial"/>
             </a:endParaRPr>
@@ -36507,7 +36550,7 @@
               </a:rPr>
               <a:t>&gt;</a:t>
             </a:r>
-            <a:endParaRPr sz="1300">
+            <a:endParaRPr sz="1300" dirty="0">
               <a:latin typeface="Arial"/>
               <a:cs typeface="Arial"/>
             </a:endParaRPr>
